--- a/Documentation/presentation.pptx
+++ b/Documentation/presentation.pptx
@@ -18,6 +18,11 @@
     <p:sldId id="268" r:id="rId12"/>
     <p:sldId id="269" r:id="rId13"/>
     <p:sldId id="270" r:id="rId14"/>
+    <p:sldId id="273" r:id="rId15"/>
+    <p:sldId id="272" r:id="rId16"/>
+    <p:sldId id="275" r:id="rId17"/>
+    <p:sldId id="274" r:id="rId18"/>
+    <p:sldId id="276" r:id="rId19"/>
   </p:sldIdLst>
   <p:sldSz cx="12192000" cy="6858000"/>
   <p:notesSz cx="6858000" cy="9144000"/>
@@ -149,9 +154,17 @@
         <p14:section name="Architecture (Tobias)" id="{3C7B86E4-09D2-D544-8675-6ECD54CE27F6}">
           <p14:sldIdLst>
             <p14:sldId id="270"/>
+            <p14:sldId id="273"/>
+            <p14:sldId id="272"/>
+            <p14:sldId id="275"/>
+            <p14:sldId id="274"/>
+            <p14:sldId id="276"/>
           </p14:sldIdLst>
         </p14:section>
       </p14:sectionLst>
+    </p:ext>
+    <p:ext uri="{EFAFB233-063F-42B5-8137-9DF3F51BA10A}">
+      <p15:sldGuideLst xmlns:p15="http://schemas.microsoft.com/office/powerpoint/2012/main"/>
     </p:ext>
   </p:extLst>
 </p:presentation>
@@ -306,7 +319,7 @@
           <a:p>
             <a:fld id="{A8BDE411-7803-2340-8298-417A08018025}" type="datetimeFigureOut">
               <a:rPr lang="en-CH" smtClean="0"/>
-              <a:t>20.05.20</a:t>
+              <a:t>05/22/2020</a:t>
             </a:fld>
             <a:endParaRPr lang="en-CH"/>
           </a:p>
@@ -506,7 +519,7 @@
           <a:p>
             <a:fld id="{A8BDE411-7803-2340-8298-417A08018025}" type="datetimeFigureOut">
               <a:rPr lang="en-CH" smtClean="0"/>
-              <a:t>20.05.20</a:t>
+              <a:t>05/22/2020</a:t>
             </a:fld>
             <a:endParaRPr lang="en-CH"/>
           </a:p>
@@ -716,7 +729,7 @@
           <a:p>
             <a:fld id="{A8BDE411-7803-2340-8298-417A08018025}" type="datetimeFigureOut">
               <a:rPr lang="en-CH" smtClean="0"/>
-              <a:t>20.05.20</a:t>
+              <a:t>05/22/2020</a:t>
             </a:fld>
             <a:endParaRPr lang="en-CH"/>
           </a:p>
@@ -916,7 +929,7 @@
           <a:p>
             <a:fld id="{A8BDE411-7803-2340-8298-417A08018025}" type="datetimeFigureOut">
               <a:rPr lang="en-CH" smtClean="0"/>
-              <a:t>20.05.20</a:t>
+              <a:t>05/22/2020</a:t>
             </a:fld>
             <a:endParaRPr lang="en-CH"/>
           </a:p>
@@ -1192,7 +1205,7 @@
           <a:p>
             <a:fld id="{A8BDE411-7803-2340-8298-417A08018025}" type="datetimeFigureOut">
               <a:rPr lang="en-CH" smtClean="0"/>
-              <a:t>20.05.20</a:t>
+              <a:t>05/22/2020</a:t>
             </a:fld>
             <a:endParaRPr lang="en-CH"/>
           </a:p>
@@ -1460,7 +1473,7 @@
           <a:p>
             <a:fld id="{A8BDE411-7803-2340-8298-417A08018025}" type="datetimeFigureOut">
               <a:rPr lang="en-CH" smtClean="0"/>
-              <a:t>20.05.20</a:t>
+              <a:t>05/22/2020</a:t>
             </a:fld>
             <a:endParaRPr lang="en-CH"/>
           </a:p>
@@ -1875,7 +1888,7 @@
           <a:p>
             <a:fld id="{A8BDE411-7803-2340-8298-417A08018025}" type="datetimeFigureOut">
               <a:rPr lang="en-CH" smtClean="0"/>
-              <a:t>20.05.20</a:t>
+              <a:t>05/22/2020</a:t>
             </a:fld>
             <a:endParaRPr lang="en-CH"/>
           </a:p>
@@ -2017,7 +2030,7 @@
           <a:p>
             <a:fld id="{A8BDE411-7803-2340-8298-417A08018025}" type="datetimeFigureOut">
               <a:rPr lang="en-CH" smtClean="0"/>
-              <a:t>20.05.20</a:t>
+              <a:t>05/22/2020</a:t>
             </a:fld>
             <a:endParaRPr lang="en-CH"/>
           </a:p>
@@ -2130,7 +2143,7 @@
           <a:p>
             <a:fld id="{A8BDE411-7803-2340-8298-417A08018025}" type="datetimeFigureOut">
               <a:rPr lang="en-CH" smtClean="0"/>
-              <a:t>20.05.20</a:t>
+              <a:t>05/22/2020</a:t>
             </a:fld>
             <a:endParaRPr lang="en-CH"/>
           </a:p>
@@ -2443,7 +2456,7 @@
           <a:p>
             <a:fld id="{A8BDE411-7803-2340-8298-417A08018025}" type="datetimeFigureOut">
               <a:rPr lang="en-CH" smtClean="0"/>
-              <a:t>20.05.20</a:t>
+              <a:t>05/22/2020</a:t>
             </a:fld>
             <a:endParaRPr lang="en-CH"/>
           </a:p>
@@ -2732,7 +2745,7 @@
           <a:p>
             <a:fld id="{A8BDE411-7803-2340-8298-417A08018025}" type="datetimeFigureOut">
               <a:rPr lang="en-CH" smtClean="0"/>
-              <a:t>20.05.20</a:t>
+              <a:t>05/22/2020</a:t>
             </a:fld>
             <a:endParaRPr lang="en-CH"/>
           </a:p>
@@ -2975,7 +2988,7 @@
           <a:p>
             <a:fld id="{A8BDE411-7803-2340-8298-417A08018025}" type="datetimeFigureOut">
               <a:rPr lang="en-CH" smtClean="0"/>
-              <a:t>20.05.20</a:t>
+              <a:t>05/22/2020</a:t>
             </a:fld>
             <a:endParaRPr lang="en-CH"/>
           </a:p>
@@ -3923,6 +3936,1962 @@
 </p:sld>
 </file>
 
+<file path=ppt/slides/slide14.xml><?xml version="1.0" encoding="utf-8"?>
+<p:sld xmlns:a="http://schemas.openxmlformats.org/drawingml/2006/main" xmlns:r="http://schemas.openxmlformats.org/officeDocument/2006/relationships" xmlns:p="http://schemas.openxmlformats.org/presentationml/2006/main">
+  <p:cSld>
+    <p:spTree>
+      <p:nvGrpSpPr>
+        <p:cNvPr id="1" name=""/>
+        <p:cNvGrpSpPr/>
+        <p:nvPr/>
+      </p:nvGrpSpPr>
+      <p:grpSpPr>
+        <a:xfrm>
+          <a:off x="0" y="0"/>
+          <a:ext cx="0" cy="0"/>
+          <a:chOff x="0" y="0"/>
+          <a:chExt cx="0" cy="0"/>
+        </a:xfrm>
+      </p:grpSpPr>
+      <p:sp>
+        <p:nvSpPr>
+          <p:cNvPr id="2" name="Title 1">
+            <a:extLst>
+              <a:ext uri="{FF2B5EF4-FFF2-40B4-BE49-F238E27FC236}">
+                <a16:creationId xmlns:a16="http://schemas.microsoft.com/office/drawing/2014/main" id="{3260EAF5-A1AF-4425-86AD-2057099607C2}"/>
+              </a:ext>
+            </a:extLst>
+          </p:cNvPr>
+          <p:cNvSpPr>
+            <a:spLocks noGrp="1"/>
+          </p:cNvSpPr>
+          <p:nvPr>
+            <p:ph type="title"/>
+          </p:nvPr>
+        </p:nvSpPr>
+        <p:spPr/>
+        <p:txBody>
+          <a:bodyPr/>
+          <a:lstStyle/>
+          <a:p>
+            <a:r>
+              <a:rPr lang="de-CH" dirty="0"/>
+              <a:t>Different models</a:t>
+            </a:r>
+            <a:endParaRPr lang="en-GB" dirty="0"/>
+          </a:p>
+        </p:txBody>
+      </p:sp>
+      <p:pic>
+        <p:nvPicPr>
+          <p:cNvPr id="4" name="Content Placeholder 3">
+            <a:extLst>
+              <a:ext uri="{FF2B5EF4-FFF2-40B4-BE49-F238E27FC236}">
+                <a16:creationId xmlns:a16="http://schemas.microsoft.com/office/drawing/2014/main" id="{FCB5CAF9-F6E1-42AC-B435-0F3D2919F617}"/>
+              </a:ext>
+            </a:extLst>
+          </p:cNvPr>
+          <p:cNvPicPr>
+            <a:picLocks noGrp="1" noChangeAspect="1"/>
+          </p:cNvPicPr>
+          <p:nvPr>
+            <p:ph idx="1"/>
+          </p:nvPr>
+        </p:nvPicPr>
+        <p:blipFill rotWithShape="1">
+          <a:blip r:embed="rId2"/>
+          <a:srcRect l="59062"/>
+          <a:stretch/>
+        </p:blipFill>
+        <p:spPr>
+          <a:xfrm>
+            <a:off x="1020931" y="1825625"/>
+            <a:ext cx="3301809" cy="4351338"/>
+          </a:xfrm>
+          <a:prstGeom prst="rect">
+            <a:avLst/>
+          </a:prstGeom>
+        </p:spPr>
+      </p:pic>
+      <p:sp>
+        <p:nvSpPr>
+          <p:cNvPr id="5" name="Diamond 4">
+            <a:extLst>
+              <a:ext uri="{FF2B5EF4-FFF2-40B4-BE49-F238E27FC236}">
+                <a16:creationId xmlns:a16="http://schemas.microsoft.com/office/drawing/2014/main" id="{A0612185-1966-4F02-9223-D8521BD517B2}"/>
+              </a:ext>
+            </a:extLst>
+          </p:cNvPr>
+          <p:cNvSpPr/>
+          <p:nvPr/>
+        </p:nvSpPr>
+        <p:spPr>
+          <a:xfrm>
+            <a:off x="4954629" y="1961515"/>
+            <a:ext cx="287112" cy="287112"/>
+          </a:xfrm>
+          <a:prstGeom prst="diamond">
+            <a:avLst/>
+          </a:prstGeom>
+        </p:spPr>
+        <p:style>
+          <a:lnRef idx="2">
+            <a:schemeClr val="accent1">
+              <a:shade val="50000"/>
+            </a:schemeClr>
+          </a:lnRef>
+          <a:fillRef idx="1">
+            <a:schemeClr val="accent1"/>
+          </a:fillRef>
+          <a:effectRef idx="0">
+            <a:schemeClr val="accent1"/>
+          </a:effectRef>
+          <a:fontRef idx="minor">
+            <a:schemeClr val="lt1"/>
+          </a:fontRef>
+        </p:style>
+        <p:txBody>
+          <a:bodyPr rtlCol="0" anchor="ctr"/>
+          <a:lstStyle/>
+          <a:p>
+            <a:pPr algn="ctr"/>
+            <a:endParaRPr lang="en-GB" dirty="0"/>
+          </a:p>
+        </p:txBody>
+      </p:sp>
+      <p:sp>
+        <p:nvSpPr>
+          <p:cNvPr id="6" name="Flowchart: Connector 5">
+            <a:extLst>
+              <a:ext uri="{FF2B5EF4-FFF2-40B4-BE49-F238E27FC236}">
+                <a16:creationId xmlns:a16="http://schemas.microsoft.com/office/drawing/2014/main" id="{B0E3482C-F4DD-4DB1-AAC7-BC5A5186AAC4}"/>
+              </a:ext>
+            </a:extLst>
+          </p:cNvPr>
+          <p:cNvSpPr/>
+          <p:nvPr/>
+        </p:nvSpPr>
+        <p:spPr>
+          <a:xfrm>
+            <a:off x="4954629" y="3339618"/>
+            <a:ext cx="287112" cy="287112"/>
+          </a:xfrm>
+          <a:prstGeom prst="flowChartConnector">
+            <a:avLst/>
+          </a:prstGeom>
+          <a:solidFill>
+            <a:srgbClr val="7030A0"/>
+          </a:solidFill>
+          <a:ln>
+            <a:solidFill>
+              <a:srgbClr val="002060"/>
+            </a:solidFill>
+          </a:ln>
+        </p:spPr>
+        <p:style>
+          <a:lnRef idx="2">
+            <a:schemeClr val="accent1">
+              <a:shade val="50000"/>
+            </a:schemeClr>
+          </a:lnRef>
+          <a:fillRef idx="1">
+            <a:schemeClr val="accent1"/>
+          </a:fillRef>
+          <a:effectRef idx="0">
+            <a:schemeClr val="accent1"/>
+          </a:effectRef>
+          <a:fontRef idx="minor">
+            <a:schemeClr val="lt1"/>
+          </a:fontRef>
+        </p:style>
+        <p:txBody>
+          <a:bodyPr rtlCol="0" anchor="ctr"/>
+          <a:lstStyle/>
+          <a:p>
+            <a:pPr algn="ctr"/>
+            <a:endParaRPr lang="en-GB" dirty="0"/>
+          </a:p>
+        </p:txBody>
+      </p:sp>
+      <p:sp>
+        <p:nvSpPr>
+          <p:cNvPr id="7" name="Isosceles Triangle 6">
+            <a:extLst>
+              <a:ext uri="{FF2B5EF4-FFF2-40B4-BE49-F238E27FC236}">
+                <a16:creationId xmlns:a16="http://schemas.microsoft.com/office/drawing/2014/main" id="{17F67E03-6FBA-4C35-8E89-692FF10F0CFC}"/>
+              </a:ext>
+            </a:extLst>
+          </p:cNvPr>
+          <p:cNvSpPr/>
+          <p:nvPr/>
+        </p:nvSpPr>
+        <p:spPr>
+          <a:xfrm>
+            <a:off x="4954629" y="4703592"/>
+            <a:ext cx="287112" cy="287112"/>
+          </a:xfrm>
+          <a:prstGeom prst="triangle">
+            <a:avLst/>
+          </a:prstGeom>
+          <a:solidFill>
+            <a:srgbClr val="FF0000"/>
+          </a:solidFill>
+          <a:ln>
+            <a:solidFill>
+              <a:srgbClr val="C00000"/>
+            </a:solidFill>
+          </a:ln>
+        </p:spPr>
+        <p:style>
+          <a:lnRef idx="2">
+            <a:schemeClr val="accent1">
+              <a:shade val="50000"/>
+            </a:schemeClr>
+          </a:lnRef>
+          <a:fillRef idx="1">
+            <a:schemeClr val="accent1"/>
+          </a:fillRef>
+          <a:effectRef idx="0">
+            <a:schemeClr val="accent1"/>
+          </a:effectRef>
+          <a:fontRef idx="minor">
+            <a:schemeClr val="lt1"/>
+          </a:fontRef>
+        </p:style>
+        <p:txBody>
+          <a:bodyPr rtlCol="0" anchor="ctr"/>
+          <a:lstStyle/>
+          <a:p>
+            <a:pPr algn="ctr"/>
+            <a:endParaRPr lang="en-GB" dirty="0"/>
+          </a:p>
+        </p:txBody>
+      </p:sp>
+      <p:sp>
+        <p:nvSpPr>
+          <p:cNvPr id="8" name="Parallelogram 7">
+            <a:extLst>
+              <a:ext uri="{FF2B5EF4-FFF2-40B4-BE49-F238E27FC236}">
+                <a16:creationId xmlns:a16="http://schemas.microsoft.com/office/drawing/2014/main" id="{4C22DFB0-7DFC-4217-A9E8-101E847192A8}"/>
+              </a:ext>
+            </a:extLst>
+          </p:cNvPr>
+          <p:cNvSpPr/>
+          <p:nvPr/>
+        </p:nvSpPr>
+        <p:spPr>
+          <a:xfrm>
+            <a:off x="4887577" y="5829395"/>
+            <a:ext cx="354164" cy="261860"/>
+          </a:xfrm>
+          <a:prstGeom prst="parallelogram">
+            <a:avLst/>
+          </a:prstGeom>
+        </p:spPr>
+        <p:style>
+          <a:lnRef idx="2">
+            <a:schemeClr val="accent6">
+              <a:shade val="50000"/>
+            </a:schemeClr>
+          </a:lnRef>
+          <a:fillRef idx="1">
+            <a:schemeClr val="accent6"/>
+          </a:fillRef>
+          <a:effectRef idx="0">
+            <a:schemeClr val="accent6"/>
+          </a:effectRef>
+          <a:fontRef idx="minor">
+            <a:schemeClr val="lt1"/>
+          </a:fontRef>
+        </p:style>
+        <p:txBody>
+          <a:bodyPr rtlCol="0" anchor="ctr"/>
+          <a:lstStyle/>
+          <a:p>
+            <a:pPr algn="ctr"/>
+            <a:endParaRPr lang="en-GB" dirty="0"/>
+          </a:p>
+        </p:txBody>
+      </p:sp>
+      <p:pic>
+        <p:nvPicPr>
+          <p:cNvPr id="10" name="Graphic 9" descr="User">
+            <a:extLst>
+              <a:ext uri="{FF2B5EF4-FFF2-40B4-BE49-F238E27FC236}">
+                <a16:creationId xmlns:a16="http://schemas.microsoft.com/office/drawing/2014/main" id="{19795D6D-8837-48FE-8917-08D516957709}"/>
+              </a:ext>
+            </a:extLst>
+          </p:cNvPr>
+          <p:cNvPicPr>
+            <a:picLocks noChangeAspect="1"/>
+          </p:cNvPicPr>
+          <p:nvPr/>
+        </p:nvPicPr>
+        <p:blipFill>
+          <a:blip r:embed="rId3">
+            <a:extLst>
+              <a:ext uri="{96DAC541-7B7A-43D3-8B79-37D633B846F1}">
+                <asvg:svgBlip xmlns:asvg="http://schemas.microsoft.com/office/drawing/2016/SVG/main" r:embed="rId4"/>
+              </a:ext>
+            </a:extLst>
+          </a:blip>
+          <a:stretch>
+            <a:fillRect/>
+          </a:stretch>
+        </p:blipFill>
+        <p:spPr>
+          <a:xfrm>
+            <a:off x="5448462" y="1690688"/>
+            <a:ext cx="583391" cy="583391"/>
+          </a:xfrm>
+          <a:prstGeom prst="rect">
+            <a:avLst/>
+          </a:prstGeom>
+        </p:spPr>
+      </p:pic>
+      <p:sp>
+        <p:nvSpPr>
+          <p:cNvPr id="11" name="TextBox 10">
+            <a:extLst>
+              <a:ext uri="{FF2B5EF4-FFF2-40B4-BE49-F238E27FC236}">
+                <a16:creationId xmlns:a16="http://schemas.microsoft.com/office/drawing/2014/main" id="{DA781C29-3D10-4A64-B99D-C2F0E509DE2A}"/>
+              </a:ext>
+            </a:extLst>
+          </p:cNvPr>
+          <p:cNvSpPr txBox="1"/>
+          <p:nvPr/>
+        </p:nvSpPr>
+        <p:spPr>
+          <a:xfrm>
+            <a:off x="5241741" y="2185347"/>
+            <a:ext cx="1427825" cy="369332"/>
+          </a:xfrm>
+          <a:prstGeom prst="rect">
+            <a:avLst/>
+          </a:prstGeom>
+          <a:noFill/>
+        </p:spPr>
+        <p:txBody>
+          <a:bodyPr wrap="square" rtlCol="0">
+            <a:spAutoFit/>
+          </a:bodyPr>
+          <a:lstStyle/>
+          <a:p>
+            <a:r>
+              <a:rPr lang="de-CH" dirty="0"/>
+              <a:t>Customer</a:t>
+            </a:r>
+            <a:endParaRPr lang="en-GB" dirty="0"/>
+          </a:p>
+        </p:txBody>
+      </p:sp>
+      <p:pic>
+        <p:nvPicPr>
+          <p:cNvPr id="12" name="Graphic 11" descr="User">
+            <a:extLst>
+              <a:ext uri="{FF2B5EF4-FFF2-40B4-BE49-F238E27FC236}">
+                <a16:creationId xmlns:a16="http://schemas.microsoft.com/office/drawing/2014/main" id="{E522D58A-C44C-46D3-AF26-03E079FA303E}"/>
+              </a:ext>
+            </a:extLst>
+          </p:cNvPr>
+          <p:cNvPicPr>
+            <a:picLocks noChangeAspect="1"/>
+          </p:cNvPicPr>
+          <p:nvPr/>
+        </p:nvPicPr>
+        <p:blipFill>
+          <a:blip r:embed="rId3">
+            <a:extLst>
+              <a:ext uri="{96DAC541-7B7A-43D3-8B79-37D633B846F1}">
+                <asvg:svgBlip xmlns:asvg="http://schemas.microsoft.com/office/drawing/2016/SVG/main" r:embed="rId4"/>
+              </a:ext>
+            </a:extLst>
+          </a:blip>
+          <a:stretch>
+            <a:fillRect/>
+          </a:stretch>
+        </p:blipFill>
+        <p:spPr>
+          <a:xfrm>
+            <a:off x="5448462" y="3059245"/>
+            <a:ext cx="583391" cy="583391"/>
+          </a:xfrm>
+          <a:prstGeom prst="rect">
+            <a:avLst/>
+          </a:prstGeom>
+        </p:spPr>
+      </p:pic>
+      <p:sp>
+        <p:nvSpPr>
+          <p:cNvPr id="13" name="TextBox 12">
+            <a:extLst>
+              <a:ext uri="{FF2B5EF4-FFF2-40B4-BE49-F238E27FC236}">
+                <a16:creationId xmlns:a16="http://schemas.microsoft.com/office/drawing/2014/main" id="{B06D0166-7E0E-491F-AE84-632AFB54784C}"/>
+              </a:ext>
+            </a:extLst>
+          </p:cNvPr>
+          <p:cNvSpPr txBox="1"/>
+          <p:nvPr/>
+        </p:nvSpPr>
+        <p:spPr>
+          <a:xfrm>
+            <a:off x="5241741" y="3553904"/>
+            <a:ext cx="1427825" cy="369332"/>
+          </a:xfrm>
+          <a:prstGeom prst="rect">
+            <a:avLst/>
+          </a:prstGeom>
+          <a:noFill/>
+        </p:spPr>
+        <p:txBody>
+          <a:bodyPr wrap="square" rtlCol="0">
+            <a:spAutoFit/>
+          </a:bodyPr>
+          <a:lstStyle/>
+          <a:p>
+            <a:r>
+              <a:rPr lang="de-CH" dirty="0"/>
+              <a:t>Customer</a:t>
+            </a:r>
+            <a:endParaRPr lang="en-GB" dirty="0"/>
+          </a:p>
+        </p:txBody>
+      </p:sp>
+      <p:pic>
+        <p:nvPicPr>
+          <p:cNvPr id="14" name="Graphic 13" descr="User">
+            <a:extLst>
+              <a:ext uri="{FF2B5EF4-FFF2-40B4-BE49-F238E27FC236}">
+                <a16:creationId xmlns:a16="http://schemas.microsoft.com/office/drawing/2014/main" id="{F25DF815-C432-4474-9863-DDFC0780799E}"/>
+              </a:ext>
+            </a:extLst>
+          </p:cNvPr>
+          <p:cNvPicPr>
+            <a:picLocks noChangeAspect="1"/>
+          </p:cNvPicPr>
+          <p:nvPr/>
+        </p:nvPicPr>
+        <p:blipFill>
+          <a:blip r:embed="rId3">
+            <a:extLst>
+              <a:ext uri="{96DAC541-7B7A-43D3-8B79-37D633B846F1}">
+                <asvg:svgBlip xmlns:asvg="http://schemas.microsoft.com/office/drawing/2016/SVG/main" r:embed="rId4"/>
+              </a:ext>
+            </a:extLst>
+          </a:blip>
+          <a:stretch>
+            <a:fillRect/>
+          </a:stretch>
+        </p:blipFill>
+        <p:spPr>
+          <a:xfrm>
+            <a:off x="5448462" y="4517495"/>
+            <a:ext cx="583391" cy="583391"/>
+          </a:xfrm>
+          <a:prstGeom prst="rect">
+            <a:avLst/>
+          </a:prstGeom>
+        </p:spPr>
+      </p:pic>
+      <p:sp>
+        <p:nvSpPr>
+          <p:cNvPr id="15" name="TextBox 14">
+            <a:extLst>
+              <a:ext uri="{FF2B5EF4-FFF2-40B4-BE49-F238E27FC236}">
+                <a16:creationId xmlns:a16="http://schemas.microsoft.com/office/drawing/2014/main" id="{F695F9A2-2567-4402-A915-5FD5F4DFBCA0}"/>
+              </a:ext>
+            </a:extLst>
+          </p:cNvPr>
+          <p:cNvSpPr txBox="1"/>
+          <p:nvPr/>
+        </p:nvSpPr>
+        <p:spPr>
+          <a:xfrm>
+            <a:off x="5241741" y="5012154"/>
+            <a:ext cx="1427825" cy="369332"/>
+          </a:xfrm>
+          <a:prstGeom prst="rect">
+            <a:avLst/>
+          </a:prstGeom>
+          <a:noFill/>
+        </p:spPr>
+        <p:txBody>
+          <a:bodyPr wrap="square" rtlCol="0">
+            <a:spAutoFit/>
+          </a:bodyPr>
+          <a:lstStyle/>
+          <a:p>
+            <a:r>
+              <a:rPr lang="de-CH" dirty="0"/>
+              <a:t>Customer</a:t>
+            </a:r>
+            <a:endParaRPr lang="en-GB" dirty="0"/>
+          </a:p>
+        </p:txBody>
+      </p:sp>
+      <p:pic>
+        <p:nvPicPr>
+          <p:cNvPr id="16" name="Graphic 15" descr="User">
+            <a:extLst>
+              <a:ext uri="{FF2B5EF4-FFF2-40B4-BE49-F238E27FC236}">
+                <a16:creationId xmlns:a16="http://schemas.microsoft.com/office/drawing/2014/main" id="{D2605397-E135-4432-83B8-FD71D0EAB79B}"/>
+              </a:ext>
+            </a:extLst>
+          </p:cNvPr>
+          <p:cNvPicPr>
+            <a:picLocks noChangeAspect="1"/>
+          </p:cNvPicPr>
+          <p:nvPr/>
+        </p:nvPicPr>
+        <p:blipFill>
+          <a:blip r:embed="rId3">
+            <a:extLst>
+              <a:ext uri="{96DAC541-7B7A-43D3-8B79-37D633B846F1}">
+                <asvg:svgBlip xmlns:asvg="http://schemas.microsoft.com/office/drawing/2016/SVG/main" r:embed="rId4"/>
+              </a:ext>
+            </a:extLst>
+          </a:blip>
+          <a:stretch>
+            <a:fillRect/>
+          </a:stretch>
+        </p:blipFill>
+        <p:spPr>
+          <a:xfrm>
+            <a:off x="5448462" y="5614204"/>
+            <a:ext cx="583391" cy="583391"/>
+          </a:xfrm>
+          <a:prstGeom prst="rect">
+            <a:avLst/>
+          </a:prstGeom>
+        </p:spPr>
+      </p:pic>
+      <p:sp>
+        <p:nvSpPr>
+          <p:cNvPr id="17" name="TextBox 16">
+            <a:extLst>
+              <a:ext uri="{FF2B5EF4-FFF2-40B4-BE49-F238E27FC236}">
+                <a16:creationId xmlns:a16="http://schemas.microsoft.com/office/drawing/2014/main" id="{5B0957D6-00A6-4ADF-AE3A-96FCF394E7CF}"/>
+              </a:ext>
+            </a:extLst>
+          </p:cNvPr>
+          <p:cNvSpPr txBox="1"/>
+          <p:nvPr/>
+        </p:nvSpPr>
+        <p:spPr>
+          <a:xfrm>
+            <a:off x="5241741" y="6108863"/>
+            <a:ext cx="1427825" cy="369332"/>
+          </a:xfrm>
+          <a:prstGeom prst="rect">
+            <a:avLst/>
+          </a:prstGeom>
+          <a:noFill/>
+        </p:spPr>
+        <p:txBody>
+          <a:bodyPr wrap="square" rtlCol="0">
+            <a:spAutoFit/>
+          </a:bodyPr>
+          <a:lstStyle/>
+          <a:p>
+            <a:r>
+              <a:rPr lang="de-CH" dirty="0"/>
+              <a:t>Customer</a:t>
+            </a:r>
+            <a:endParaRPr lang="en-GB" dirty="0"/>
+          </a:p>
+        </p:txBody>
+      </p:sp>
+    </p:spTree>
+    <p:extLst>
+      <p:ext uri="{BB962C8B-B14F-4D97-AF65-F5344CB8AC3E}">
+        <p14:creationId xmlns:p14="http://schemas.microsoft.com/office/powerpoint/2010/main" val="469514238"/>
+      </p:ext>
+    </p:extLst>
+  </p:cSld>
+  <p:clrMapOvr>
+    <a:masterClrMapping/>
+  </p:clrMapOvr>
+</p:sld>
+</file>
+
+<file path=ppt/slides/slide15.xml><?xml version="1.0" encoding="utf-8"?>
+<p:sld xmlns:a="http://schemas.openxmlformats.org/drawingml/2006/main" xmlns:r="http://schemas.openxmlformats.org/officeDocument/2006/relationships" xmlns:p="http://schemas.openxmlformats.org/presentationml/2006/main">
+  <p:cSld>
+    <p:spTree>
+      <p:nvGrpSpPr>
+        <p:cNvPr id="1" name=""/>
+        <p:cNvGrpSpPr/>
+        <p:nvPr/>
+      </p:nvGrpSpPr>
+      <p:grpSpPr>
+        <a:xfrm>
+          <a:off x="0" y="0"/>
+          <a:ext cx="0" cy="0"/>
+          <a:chOff x="0" y="0"/>
+          <a:chExt cx="0" cy="0"/>
+        </a:xfrm>
+      </p:grpSpPr>
+      <p:sp>
+        <p:nvSpPr>
+          <p:cNvPr id="2" name="Title 1">
+            <a:extLst>
+              <a:ext uri="{FF2B5EF4-FFF2-40B4-BE49-F238E27FC236}">
+                <a16:creationId xmlns:a16="http://schemas.microsoft.com/office/drawing/2014/main" id="{BF54AA84-6C9A-457A-B0D1-45365FD02632}"/>
+              </a:ext>
+            </a:extLst>
+          </p:cNvPr>
+          <p:cNvSpPr>
+            <a:spLocks noGrp="1"/>
+          </p:cNvSpPr>
+          <p:nvPr>
+            <p:ph type="title"/>
+          </p:nvPr>
+        </p:nvSpPr>
+        <p:spPr>
+          <a:xfrm>
+            <a:off x="838200" y="365125"/>
+            <a:ext cx="10515600" cy="1325563"/>
+          </a:xfrm>
+        </p:spPr>
+        <p:txBody>
+          <a:bodyPr/>
+          <a:lstStyle/>
+          <a:p>
+            <a:r>
+              <a:rPr lang="de-CH"/>
+              <a:t>Clients</a:t>
+            </a:r>
+            <a:endParaRPr lang="en-GB" dirty="0"/>
+          </a:p>
+        </p:txBody>
+      </p:sp>
+      <p:pic>
+        <p:nvPicPr>
+          <p:cNvPr id="5" name="Content Placeholder 4" descr="introduction">
+            <a:extLst>
+              <a:ext uri="{FF2B5EF4-FFF2-40B4-BE49-F238E27FC236}">
+                <a16:creationId xmlns:a16="http://schemas.microsoft.com/office/drawing/2014/main" id="{5A8E60B2-4606-43B8-B58A-9E2814B8EBCE}"/>
+              </a:ext>
+            </a:extLst>
+          </p:cNvPr>
+          <p:cNvPicPr>
+            <a:picLocks noGrp="1" noChangeAspect="1" noChangeArrowheads="1"/>
+          </p:cNvPicPr>
+          <p:nvPr>
+            <p:ph idx="1"/>
+          </p:nvPr>
+        </p:nvPicPr>
+        <p:blipFill>
+          <a:blip r:embed="rId2">
+            <a:extLst>
+              <a:ext uri="{28A0092B-C50C-407E-A947-70E740481C1C}">
+                <a14:useLocalDpi xmlns:a14="http://schemas.microsoft.com/office/drawing/2010/main" val="0"/>
+              </a:ext>
+            </a:extLst>
+          </a:blip>
+          <a:srcRect/>
+          <a:stretch>
+            <a:fillRect/>
+          </a:stretch>
+        </p:blipFill>
+        <p:spPr bwMode="auto">
+          <a:xfrm>
+            <a:off x="2505540" y="744452"/>
+            <a:ext cx="8093709" cy="5369095"/>
+          </a:xfrm>
+          <a:prstGeom prst="rect">
+            <a:avLst/>
+          </a:prstGeom>
+          <a:noFill/>
+          <a:extLst>
+            <a:ext uri="{909E8E84-426E-40DD-AFC4-6F175D3DCCD1}">
+              <a14:hiddenFill xmlns:a14="http://schemas.microsoft.com/office/drawing/2010/main">
+                <a:solidFill>
+                  <a:srgbClr val="FFFFFF"/>
+                </a:solidFill>
+              </a14:hiddenFill>
+            </a:ext>
+          </a:extLst>
+        </p:spPr>
+      </p:pic>
+    </p:spTree>
+    <p:extLst>
+      <p:ext uri="{BB962C8B-B14F-4D97-AF65-F5344CB8AC3E}">
+        <p14:creationId xmlns:p14="http://schemas.microsoft.com/office/powerpoint/2010/main" val="3837401913"/>
+      </p:ext>
+    </p:extLst>
+  </p:cSld>
+  <p:clrMapOvr>
+    <a:masterClrMapping/>
+  </p:clrMapOvr>
+</p:sld>
+</file>
+
+<file path=ppt/slides/slide16.xml><?xml version="1.0" encoding="utf-8"?>
+<p:sld xmlns:a="http://schemas.openxmlformats.org/drawingml/2006/main" xmlns:r="http://schemas.openxmlformats.org/officeDocument/2006/relationships" xmlns:p="http://schemas.openxmlformats.org/presentationml/2006/main">
+  <p:cSld>
+    <p:spTree>
+      <p:nvGrpSpPr>
+        <p:cNvPr id="1" name=""/>
+        <p:cNvGrpSpPr/>
+        <p:nvPr/>
+      </p:nvGrpSpPr>
+      <p:grpSpPr>
+        <a:xfrm>
+          <a:off x="0" y="0"/>
+          <a:ext cx="0" cy="0"/>
+          <a:chOff x="0" y="0"/>
+          <a:chExt cx="0" cy="0"/>
+        </a:xfrm>
+      </p:grpSpPr>
+      <p:sp>
+        <p:nvSpPr>
+          <p:cNvPr id="2" name="Title 1">
+            <a:extLst>
+              <a:ext uri="{FF2B5EF4-FFF2-40B4-BE49-F238E27FC236}">
+                <a16:creationId xmlns:a16="http://schemas.microsoft.com/office/drawing/2014/main" id="{41FB85AD-3AEE-41BD-AFB1-5CF5C40620E6}"/>
+              </a:ext>
+            </a:extLst>
+          </p:cNvPr>
+          <p:cNvSpPr>
+            <a:spLocks noGrp="1"/>
+          </p:cNvSpPr>
+          <p:nvPr>
+            <p:ph type="title"/>
+          </p:nvPr>
+        </p:nvSpPr>
+        <p:spPr/>
+        <p:txBody>
+          <a:bodyPr/>
+          <a:lstStyle/>
+          <a:p>
+            <a:r>
+              <a:rPr lang="de-CH" dirty="0"/>
+              <a:t>API Client</a:t>
+            </a:r>
+            <a:endParaRPr lang="en-GB" dirty="0"/>
+          </a:p>
+        </p:txBody>
+      </p:sp>
+      <p:pic>
+        <p:nvPicPr>
+          <p:cNvPr id="8" name="Content Placeholder 7">
+            <a:extLst>
+              <a:ext uri="{FF2B5EF4-FFF2-40B4-BE49-F238E27FC236}">
+                <a16:creationId xmlns:a16="http://schemas.microsoft.com/office/drawing/2014/main" id="{D68EFFF8-413D-4DBF-B0EF-57F5718DFD78}"/>
+              </a:ext>
+            </a:extLst>
+          </p:cNvPr>
+          <p:cNvPicPr>
+            <a:picLocks noGrp="1" noChangeAspect="1"/>
+          </p:cNvPicPr>
+          <p:nvPr>
+            <p:ph idx="1"/>
+          </p:nvPr>
+        </p:nvPicPr>
+        <p:blipFill>
+          <a:blip r:embed="rId2"/>
+          <a:stretch>
+            <a:fillRect/>
+          </a:stretch>
+        </p:blipFill>
+        <p:spPr>
+          <a:xfrm>
+            <a:off x="793367" y="3216680"/>
+            <a:ext cx="2011680" cy="534353"/>
+          </a:xfrm>
+          <a:prstGeom prst="rect">
+            <a:avLst/>
+          </a:prstGeom>
+        </p:spPr>
+      </p:pic>
+      <p:sp>
+        <p:nvSpPr>
+          <p:cNvPr id="10" name="TextBox 9">
+            <a:extLst>
+              <a:ext uri="{FF2B5EF4-FFF2-40B4-BE49-F238E27FC236}">
+                <a16:creationId xmlns:a16="http://schemas.microsoft.com/office/drawing/2014/main" id="{26AECCF5-6225-43CB-AF25-20FEE5F71138}"/>
+              </a:ext>
+            </a:extLst>
+          </p:cNvPr>
+          <p:cNvSpPr txBox="1"/>
+          <p:nvPr/>
+        </p:nvSpPr>
+        <p:spPr>
+          <a:xfrm>
+            <a:off x="689498" y="3830975"/>
+            <a:ext cx="4044379" cy="406265"/>
+          </a:xfrm>
+          <a:prstGeom prst="rect">
+            <a:avLst/>
+          </a:prstGeom>
+          <a:noFill/>
+        </p:spPr>
+        <p:txBody>
+          <a:bodyPr wrap="square" rtlCol="0">
+            <a:spAutoFit/>
+          </a:bodyPr>
+          <a:lstStyle/>
+          <a:p>
+            <a:r>
+              <a:rPr lang="de-CH" dirty="0"/>
+              <a:t>OpenAPI Specification</a:t>
+            </a:r>
+            <a:endParaRPr lang="en-GB" dirty="0"/>
+          </a:p>
+        </p:txBody>
+      </p:sp>
+      <p:cxnSp>
+        <p:nvCxnSpPr>
+          <p:cNvPr id="13" name="Straight Arrow Connector 12">
+            <a:extLst>
+              <a:ext uri="{FF2B5EF4-FFF2-40B4-BE49-F238E27FC236}">
+                <a16:creationId xmlns:a16="http://schemas.microsoft.com/office/drawing/2014/main" id="{9C2977E3-6C0E-4EED-93BB-EE52E91A4310}"/>
+              </a:ext>
+            </a:extLst>
+          </p:cNvPr>
+          <p:cNvCxnSpPr>
+            <a:cxnSpLocks/>
+          </p:cNvCxnSpPr>
+          <p:nvPr/>
+        </p:nvCxnSpPr>
+        <p:spPr>
+          <a:xfrm>
+            <a:off x="3133817" y="3402828"/>
+            <a:ext cx="5717220" cy="0"/>
+          </a:xfrm>
+          <a:prstGeom prst="straightConnector1">
+            <a:avLst/>
+          </a:prstGeom>
+          <a:ln w="38100">
+            <a:solidFill>
+              <a:schemeClr val="accent6"/>
+            </a:solidFill>
+            <a:tailEnd type="triangle"/>
+          </a:ln>
+        </p:spPr>
+        <p:style>
+          <a:lnRef idx="3">
+            <a:schemeClr val="accent1"/>
+          </a:lnRef>
+          <a:fillRef idx="0">
+            <a:schemeClr val="accent1"/>
+          </a:fillRef>
+          <a:effectRef idx="2">
+            <a:schemeClr val="accent1"/>
+          </a:effectRef>
+          <a:fontRef idx="minor">
+            <a:schemeClr val="tx1"/>
+          </a:fontRef>
+        </p:style>
+      </p:cxnSp>
+      <p:pic>
+        <p:nvPicPr>
+          <p:cNvPr id="11" name="Picture 10">
+            <a:extLst>
+              <a:ext uri="{FF2B5EF4-FFF2-40B4-BE49-F238E27FC236}">
+                <a16:creationId xmlns:a16="http://schemas.microsoft.com/office/drawing/2014/main" id="{DAFDEFC4-97BC-4A27-8EBE-A10525F1E382}"/>
+              </a:ext>
+            </a:extLst>
+          </p:cNvPr>
+          <p:cNvPicPr>
+            <a:picLocks noChangeAspect="1"/>
+          </p:cNvPicPr>
+          <p:nvPr/>
+        </p:nvPicPr>
+        <p:blipFill>
+          <a:blip r:embed="rId3"/>
+          <a:stretch>
+            <a:fillRect/>
+          </a:stretch>
+        </p:blipFill>
+        <p:spPr>
+          <a:xfrm>
+            <a:off x="4469750" y="2752683"/>
+            <a:ext cx="3122295" cy="1288733"/>
+          </a:xfrm>
+          <a:prstGeom prst="rect">
+            <a:avLst/>
+          </a:prstGeom>
+          <a:ln>
+            <a:noFill/>
+          </a:ln>
+          <a:effectLst>
+            <a:outerShdw blurRad="190500" algn="tl" rotWithShape="0">
+              <a:srgbClr val="000000">
+                <a:alpha val="70000"/>
+              </a:srgbClr>
+            </a:outerShdw>
+          </a:effectLst>
+        </p:spPr>
+      </p:pic>
+      <p:pic>
+        <p:nvPicPr>
+          <p:cNvPr id="2058" name="Picture 10" descr="C-Sharp – Wikipedia">
+            <a:extLst>
+              <a:ext uri="{FF2B5EF4-FFF2-40B4-BE49-F238E27FC236}">
+                <a16:creationId xmlns:a16="http://schemas.microsoft.com/office/drawing/2014/main" id="{F3F8A034-AEF6-4211-80F8-9D4A5CB686A3}"/>
+              </a:ext>
+            </a:extLst>
+          </p:cNvPr>
+          <p:cNvPicPr>
+            <a:picLocks noChangeAspect="1" noChangeArrowheads="1"/>
+          </p:cNvPicPr>
+          <p:nvPr/>
+        </p:nvPicPr>
+        <p:blipFill>
+          <a:blip r:embed="rId4">
+            <a:extLst>
+              <a:ext uri="{28A0092B-C50C-407E-A947-70E740481C1C}">
+                <a14:useLocalDpi xmlns:a14="http://schemas.microsoft.com/office/drawing/2010/main" val="0"/>
+              </a:ext>
+            </a:extLst>
+          </a:blip>
+          <a:srcRect/>
+          <a:stretch>
+            <a:fillRect/>
+          </a:stretch>
+        </p:blipFill>
+        <p:spPr bwMode="auto">
+          <a:xfrm>
+            <a:off x="8850346" y="2465091"/>
+            <a:ext cx="1707878" cy="1875474"/>
+          </a:xfrm>
+          <a:prstGeom prst="rect">
+            <a:avLst/>
+          </a:prstGeom>
+          <a:noFill/>
+          <a:extLst>
+            <a:ext uri="{909E8E84-426E-40DD-AFC4-6F175D3DCCD1}">
+              <a14:hiddenFill xmlns:a14="http://schemas.microsoft.com/office/drawing/2010/main">
+                <a:solidFill>
+                  <a:srgbClr val="FFFFFF"/>
+                </a:solidFill>
+              </a14:hiddenFill>
+            </a:ext>
+          </a:extLst>
+        </p:spPr>
+      </p:pic>
+      <p:sp>
+        <p:nvSpPr>
+          <p:cNvPr id="16" name="TextBox 15">
+            <a:extLst>
+              <a:ext uri="{FF2B5EF4-FFF2-40B4-BE49-F238E27FC236}">
+                <a16:creationId xmlns:a16="http://schemas.microsoft.com/office/drawing/2014/main" id="{4628FD53-C1E8-4F60-A72A-5779454FCB5F}"/>
+              </a:ext>
+            </a:extLst>
+          </p:cNvPr>
+          <p:cNvSpPr txBox="1"/>
+          <p:nvPr/>
+        </p:nvSpPr>
+        <p:spPr>
+          <a:xfrm>
+            <a:off x="10418447" y="3253704"/>
+            <a:ext cx="1564926" cy="406265"/>
+          </a:xfrm>
+          <a:prstGeom prst="rect">
+            <a:avLst/>
+          </a:prstGeom>
+          <a:noFill/>
+        </p:spPr>
+        <p:txBody>
+          <a:bodyPr wrap="square" rtlCol="0">
+            <a:spAutoFit/>
+          </a:bodyPr>
+          <a:lstStyle/>
+          <a:p>
+            <a:r>
+              <a:rPr lang="de-CH" dirty="0"/>
+              <a:t>- Client</a:t>
+            </a:r>
+            <a:endParaRPr lang="en-GB" dirty="0"/>
+          </a:p>
+        </p:txBody>
+      </p:sp>
+    </p:spTree>
+    <p:extLst>
+      <p:ext uri="{BB962C8B-B14F-4D97-AF65-F5344CB8AC3E}">
+        <p14:creationId xmlns:p14="http://schemas.microsoft.com/office/powerpoint/2010/main" val="3705403558"/>
+      </p:ext>
+    </p:extLst>
+  </p:cSld>
+  <p:clrMapOvr>
+    <a:masterClrMapping/>
+  </p:clrMapOvr>
+</p:sld>
+</file>
+
+<file path=ppt/slides/slide17.xml><?xml version="1.0" encoding="utf-8"?>
+<p:sld xmlns:a="http://schemas.openxmlformats.org/drawingml/2006/main" xmlns:r="http://schemas.openxmlformats.org/officeDocument/2006/relationships" xmlns:p="http://schemas.openxmlformats.org/presentationml/2006/main">
+  <p:cSld>
+    <p:spTree>
+      <p:nvGrpSpPr>
+        <p:cNvPr id="1" name=""/>
+        <p:cNvGrpSpPr/>
+        <p:nvPr/>
+      </p:nvGrpSpPr>
+      <p:grpSpPr>
+        <a:xfrm>
+          <a:off x="0" y="0"/>
+          <a:ext cx="0" cy="0"/>
+          <a:chOff x="0" y="0"/>
+          <a:chExt cx="0" cy="0"/>
+        </a:xfrm>
+      </p:grpSpPr>
+      <p:sp>
+        <p:nvSpPr>
+          <p:cNvPr id="2" name="Title 1">
+            <a:extLst>
+              <a:ext uri="{FF2B5EF4-FFF2-40B4-BE49-F238E27FC236}">
+                <a16:creationId xmlns:a16="http://schemas.microsoft.com/office/drawing/2014/main" id="{41FB85AD-3AEE-41BD-AFB1-5CF5C40620E6}"/>
+              </a:ext>
+            </a:extLst>
+          </p:cNvPr>
+          <p:cNvSpPr>
+            <a:spLocks noGrp="1"/>
+          </p:cNvSpPr>
+          <p:nvPr>
+            <p:ph type="title"/>
+          </p:nvPr>
+        </p:nvSpPr>
+        <p:spPr/>
+        <p:txBody>
+          <a:bodyPr/>
+          <a:lstStyle/>
+          <a:p>
+            <a:r>
+              <a:rPr lang="de-CH" dirty="0"/>
+              <a:t>API Client - Example</a:t>
+            </a:r>
+            <a:endParaRPr lang="en-GB" dirty="0"/>
+          </a:p>
+        </p:txBody>
+      </p:sp>
+      <p:pic>
+        <p:nvPicPr>
+          <p:cNvPr id="9" name="Picture 8">
+            <a:extLst>
+              <a:ext uri="{FF2B5EF4-FFF2-40B4-BE49-F238E27FC236}">
+                <a16:creationId xmlns:a16="http://schemas.microsoft.com/office/drawing/2014/main" id="{582120C0-FF3A-4CF5-B10A-36096BEE932E}"/>
+              </a:ext>
+            </a:extLst>
+          </p:cNvPr>
+          <p:cNvPicPr>
+            <a:picLocks noChangeAspect="1"/>
+          </p:cNvPicPr>
+          <p:nvPr/>
+        </p:nvPicPr>
+        <p:blipFill>
+          <a:blip r:embed="rId2"/>
+          <a:stretch>
+            <a:fillRect/>
+          </a:stretch>
+        </p:blipFill>
+        <p:spPr>
+          <a:xfrm>
+            <a:off x="37148" y="1534346"/>
+            <a:ext cx="4431159" cy="3020865"/>
+          </a:xfrm>
+          <a:prstGeom prst="rect">
+            <a:avLst/>
+          </a:prstGeom>
+        </p:spPr>
+      </p:pic>
+      <p:cxnSp>
+        <p:nvCxnSpPr>
+          <p:cNvPr id="18" name="Straight Arrow Connector 17">
+            <a:extLst>
+              <a:ext uri="{FF2B5EF4-FFF2-40B4-BE49-F238E27FC236}">
+                <a16:creationId xmlns:a16="http://schemas.microsoft.com/office/drawing/2014/main" id="{6844CA0E-719A-432A-A0AD-18F4685E1505}"/>
+              </a:ext>
+            </a:extLst>
+          </p:cNvPr>
+          <p:cNvCxnSpPr>
+            <a:cxnSpLocks/>
+          </p:cNvCxnSpPr>
+          <p:nvPr/>
+        </p:nvCxnSpPr>
+        <p:spPr>
+          <a:xfrm>
+            <a:off x="4540568" y="2151072"/>
+            <a:ext cx="3848830" cy="0"/>
+          </a:xfrm>
+          <a:prstGeom prst="straightConnector1">
+            <a:avLst/>
+          </a:prstGeom>
+          <a:ln w="38100">
+            <a:solidFill>
+              <a:schemeClr val="accent6"/>
+            </a:solidFill>
+            <a:tailEnd type="triangle"/>
+          </a:ln>
+        </p:spPr>
+        <p:style>
+          <a:lnRef idx="3">
+            <a:schemeClr val="accent1"/>
+          </a:lnRef>
+          <a:fillRef idx="0">
+            <a:schemeClr val="accent1"/>
+          </a:fillRef>
+          <a:effectRef idx="2">
+            <a:schemeClr val="accent1"/>
+          </a:effectRef>
+          <a:fontRef idx="minor">
+            <a:schemeClr val="tx1"/>
+          </a:fontRef>
+        </p:style>
+      </p:cxnSp>
+      <p:pic>
+        <p:nvPicPr>
+          <p:cNvPr id="15" name="Picture 14">
+            <a:extLst>
+              <a:ext uri="{FF2B5EF4-FFF2-40B4-BE49-F238E27FC236}">
+                <a16:creationId xmlns:a16="http://schemas.microsoft.com/office/drawing/2014/main" id="{940B54A7-E687-44B9-BAD7-786126AF6AC9}"/>
+              </a:ext>
+            </a:extLst>
+          </p:cNvPr>
+          <p:cNvPicPr>
+            <a:picLocks noChangeAspect="1"/>
+          </p:cNvPicPr>
+          <p:nvPr/>
+        </p:nvPicPr>
+        <p:blipFill>
+          <a:blip r:embed="rId3"/>
+          <a:stretch>
+            <a:fillRect/>
+          </a:stretch>
+        </p:blipFill>
+        <p:spPr>
+          <a:xfrm>
+            <a:off x="4931185" y="1520989"/>
+            <a:ext cx="3038511" cy="3313111"/>
+          </a:xfrm>
+          <a:prstGeom prst="rect">
+            <a:avLst/>
+          </a:prstGeom>
+        </p:spPr>
+      </p:pic>
+      <p:pic>
+        <p:nvPicPr>
+          <p:cNvPr id="19" name="Picture 18">
+            <a:extLst>
+              <a:ext uri="{FF2B5EF4-FFF2-40B4-BE49-F238E27FC236}">
+                <a16:creationId xmlns:a16="http://schemas.microsoft.com/office/drawing/2014/main" id="{438EBF0A-02E0-456F-8656-877EBD5DB7CA}"/>
+              </a:ext>
+            </a:extLst>
+          </p:cNvPr>
+          <p:cNvPicPr>
+            <a:picLocks noChangeAspect="1"/>
+          </p:cNvPicPr>
+          <p:nvPr/>
+        </p:nvPicPr>
+        <p:blipFill>
+          <a:blip r:embed="rId4"/>
+          <a:stretch>
+            <a:fillRect/>
+          </a:stretch>
+        </p:blipFill>
+        <p:spPr>
+          <a:xfrm>
+            <a:off x="8504808" y="1688144"/>
+            <a:ext cx="3592062" cy="1142929"/>
+          </a:xfrm>
+          <a:prstGeom prst="rect">
+            <a:avLst/>
+          </a:prstGeom>
+        </p:spPr>
+      </p:pic>
+      <p:sp>
+        <p:nvSpPr>
+          <p:cNvPr id="25" name="Star: 5 Points 24">
+            <a:extLst>
+              <a:ext uri="{FF2B5EF4-FFF2-40B4-BE49-F238E27FC236}">
+                <a16:creationId xmlns:a16="http://schemas.microsoft.com/office/drawing/2014/main" id="{A72BDBD3-F08F-43A0-95FC-7B1523DF263B}"/>
+              </a:ext>
+            </a:extLst>
+          </p:cNvPr>
+          <p:cNvSpPr/>
+          <p:nvPr/>
+        </p:nvSpPr>
+        <p:spPr>
+          <a:xfrm>
+            <a:off x="9127532" y="1492958"/>
+            <a:ext cx="356144" cy="356144"/>
+          </a:xfrm>
+          <a:prstGeom prst="star5">
+            <a:avLst/>
+          </a:prstGeom>
+          <a:ln w="19050">
+            <a:solidFill>
+              <a:schemeClr val="bg1"/>
+            </a:solidFill>
+          </a:ln>
+        </p:spPr>
+        <p:style>
+          <a:lnRef idx="2">
+            <a:schemeClr val="accent4">
+              <a:shade val="50000"/>
+            </a:schemeClr>
+          </a:lnRef>
+          <a:fillRef idx="1">
+            <a:schemeClr val="accent4"/>
+          </a:fillRef>
+          <a:effectRef idx="0">
+            <a:schemeClr val="accent4"/>
+          </a:effectRef>
+          <a:fontRef idx="minor">
+            <a:schemeClr val="lt1"/>
+          </a:fontRef>
+        </p:style>
+        <p:txBody>
+          <a:bodyPr rtlCol="0" anchor="ctr"/>
+          <a:lstStyle/>
+          <a:p>
+            <a:pPr algn="ctr"/>
+            <a:endParaRPr lang="en-GB"/>
+          </a:p>
+        </p:txBody>
+      </p:sp>
+      <p:sp>
+        <p:nvSpPr>
+          <p:cNvPr id="26" name="Diamond 25">
+            <a:extLst>
+              <a:ext uri="{FF2B5EF4-FFF2-40B4-BE49-F238E27FC236}">
+                <a16:creationId xmlns:a16="http://schemas.microsoft.com/office/drawing/2014/main" id="{5F5BB50C-758E-4224-B049-09D368B38646}"/>
+              </a:ext>
+            </a:extLst>
+          </p:cNvPr>
+          <p:cNvSpPr/>
+          <p:nvPr/>
+        </p:nvSpPr>
+        <p:spPr>
+          <a:xfrm>
+            <a:off x="8504808" y="2173017"/>
+            <a:ext cx="245400" cy="245400"/>
+          </a:xfrm>
+          <a:prstGeom prst="diamond">
+            <a:avLst/>
+          </a:prstGeom>
+          <a:ln w="19050">
+            <a:solidFill>
+              <a:schemeClr val="bg1"/>
+            </a:solidFill>
+          </a:ln>
+        </p:spPr>
+        <p:style>
+          <a:lnRef idx="2">
+            <a:schemeClr val="accent1">
+              <a:shade val="50000"/>
+            </a:schemeClr>
+          </a:lnRef>
+          <a:fillRef idx="1">
+            <a:schemeClr val="accent1"/>
+          </a:fillRef>
+          <a:effectRef idx="0">
+            <a:schemeClr val="accent1"/>
+          </a:effectRef>
+          <a:fontRef idx="minor">
+            <a:schemeClr val="lt1"/>
+          </a:fontRef>
+        </p:style>
+        <p:txBody>
+          <a:bodyPr rtlCol="0" anchor="ctr"/>
+          <a:lstStyle/>
+          <a:p>
+            <a:pPr algn="ctr"/>
+            <a:endParaRPr lang="en-GB"/>
+          </a:p>
+        </p:txBody>
+      </p:sp>
+      <p:sp>
+        <p:nvSpPr>
+          <p:cNvPr id="27" name="Diamond 26">
+            <a:extLst>
+              <a:ext uri="{FF2B5EF4-FFF2-40B4-BE49-F238E27FC236}">
+                <a16:creationId xmlns:a16="http://schemas.microsoft.com/office/drawing/2014/main" id="{5AEED2DE-C049-48C9-84E4-EA7E534BAC0A}"/>
+              </a:ext>
+            </a:extLst>
+          </p:cNvPr>
+          <p:cNvSpPr/>
+          <p:nvPr/>
+        </p:nvSpPr>
+        <p:spPr>
+          <a:xfrm>
+            <a:off x="6878378" y="3012460"/>
+            <a:ext cx="543354" cy="543354"/>
+          </a:xfrm>
+          <a:prstGeom prst="diamond">
+            <a:avLst/>
+          </a:prstGeom>
+          <a:ln w="19050">
+            <a:solidFill>
+              <a:schemeClr val="bg1"/>
+            </a:solidFill>
+          </a:ln>
+        </p:spPr>
+        <p:style>
+          <a:lnRef idx="2">
+            <a:schemeClr val="accent1">
+              <a:shade val="50000"/>
+            </a:schemeClr>
+          </a:lnRef>
+          <a:fillRef idx="1">
+            <a:schemeClr val="accent1"/>
+          </a:fillRef>
+          <a:effectRef idx="0">
+            <a:schemeClr val="accent1"/>
+          </a:effectRef>
+          <a:fontRef idx="minor">
+            <a:schemeClr val="lt1"/>
+          </a:fontRef>
+        </p:style>
+        <p:txBody>
+          <a:bodyPr rtlCol="0" anchor="ctr"/>
+          <a:lstStyle/>
+          <a:p>
+            <a:pPr algn="ctr"/>
+            <a:endParaRPr lang="en-GB"/>
+          </a:p>
+        </p:txBody>
+      </p:sp>
+      <p:sp>
+        <p:nvSpPr>
+          <p:cNvPr id="23" name="TextBox 22">
+            <a:extLst>
+              <a:ext uri="{FF2B5EF4-FFF2-40B4-BE49-F238E27FC236}">
+                <a16:creationId xmlns:a16="http://schemas.microsoft.com/office/drawing/2014/main" id="{E87D2397-05B1-4BE3-9F43-E5D5605202C0}"/>
+              </a:ext>
+            </a:extLst>
+          </p:cNvPr>
+          <p:cNvSpPr txBox="1"/>
+          <p:nvPr/>
+        </p:nvSpPr>
+        <p:spPr>
+          <a:xfrm>
+            <a:off x="8504808" y="3012460"/>
+            <a:ext cx="1956262" cy="646331"/>
+          </a:xfrm>
+          <a:prstGeom prst="rect">
+            <a:avLst/>
+          </a:prstGeom>
+          <a:noFill/>
+          <a:ln>
+            <a:solidFill>
+              <a:schemeClr val="tx1"/>
+            </a:solidFill>
+          </a:ln>
+        </p:spPr>
+        <p:txBody>
+          <a:bodyPr wrap="square" rtlCol="0">
+            <a:spAutoFit/>
+          </a:bodyPr>
+          <a:lstStyle/>
+          <a:p>
+            <a:r>
+              <a:rPr lang="de-CH" dirty="0"/>
+              <a:t>MapProduct(    )</a:t>
+            </a:r>
+          </a:p>
+          <a:p>
+            <a:r>
+              <a:rPr lang="de-CH" dirty="0"/>
+              <a:t>&gt; Returns </a:t>
+            </a:r>
+            <a:endParaRPr lang="en-GB" dirty="0"/>
+          </a:p>
+        </p:txBody>
+      </p:sp>
+      <p:sp>
+        <p:nvSpPr>
+          <p:cNvPr id="29" name="Diamond 28">
+            <a:extLst>
+              <a:ext uri="{FF2B5EF4-FFF2-40B4-BE49-F238E27FC236}">
+                <a16:creationId xmlns:a16="http://schemas.microsoft.com/office/drawing/2014/main" id="{A93818DE-D716-41A3-A0ED-265790C294D7}"/>
+              </a:ext>
+            </a:extLst>
+          </p:cNvPr>
+          <p:cNvSpPr/>
+          <p:nvPr/>
+        </p:nvSpPr>
+        <p:spPr>
+          <a:xfrm>
+            <a:off x="9810039" y="3103790"/>
+            <a:ext cx="245400" cy="245400"/>
+          </a:xfrm>
+          <a:prstGeom prst="diamond">
+            <a:avLst/>
+          </a:prstGeom>
+          <a:ln w="19050">
+            <a:solidFill>
+              <a:schemeClr val="tx1"/>
+            </a:solidFill>
+          </a:ln>
+        </p:spPr>
+        <p:style>
+          <a:lnRef idx="2">
+            <a:schemeClr val="accent1">
+              <a:shade val="50000"/>
+            </a:schemeClr>
+          </a:lnRef>
+          <a:fillRef idx="1">
+            <a:schemeClr val="accent1"/>
+          </a:fillRef>
+          <a:effectRef idx="0">
+            <a:schemeClr val="accent1"/>
+          </a:effectRef>
+          <a:fontRef idx="minor">
+            <a:schemeClr val="lt1"/>
+          </a:fontRef>
+        </p:style>
+        <p:txBody>
+          <a:bodyPr rtlCol="0" anchor="ctr"/>
+          <a:lstStyle/>
+          <a:p>
+            <a:pPr algn="ctr"/>
+            <a:endParaRPr lang="en-GB"/>
+          </a:p>
+        </p:txBody>
+      </p:sp>
+      <p:sp>
+        <p:nvSpPr>
+          <p:cNvPr id="30" name="Star: 5 Points 29">
+            <a:extLst>
+              <a:ext uri="{FF2B5EF4-FFF2-40B4-BE49-F238E27FC236}">
+                <a16:creationId xmlns:a16="http://schemas.microsoft.com/office/drawing/2014/main" id="{3E888336-9F18-49B8-87CE-16CBAFB279B6}"/>
+              </a:ext>
+            </a:extLst>
+          </p:cNvPr>
+          <p:cNvSpPr/>
+          <p:nvPr/>
+        </p:nvSpPr>
+        <p:spPr>
+          <a:xfrm>
+            <a:off x="9551321" y="3349190"/>
+            <a:ext cx="269402" cy="269402"/>
+          </a:xfrm>
+          <a:prstGeom prst="star5">
+            <a:avLst>
+              <a:gd name="adj" fmla="val 22079"/>
+              <a:gd name="hf" fmla="val 105146"/>
+              <a:gd name="vf" fmla="val 110557"/>
+            </a:avLst>
+          </a:prstGeom>
+          <a:ln w="19050">
+            <a:solidFill>
+              <a:schemeClr val="tx1"/>
+            </a:solidFill>
+          </a:ln>
+        </p:spPr>
+        <p:style>
+          <a:lnRef idx="2">
+            <a:schemeClr val="accent4">
+              <a:shade val="50000"/>
+            </a:schemeClr>
+          </a:lnRef>
+          <a:fillRef idx="1">
+            <a:schemeClr val="accent4"/>
+          </a:fillRef>
+          <a:effectRef idx="0">
+            <a:schemeClr val="accent4"/>
+          </a:effectRef>
+          <a:fontRef idx="minor">
+            <a:schemeClr val="lt1"/>
+          </a:fontRef>
+        </p:style>
+        <p:txBody>
+          <a:bodyPr rtlCol="0" anchor="ctr"/>
+          <a:lstStyle/>
+          <a:p>
+            <a:pPr algn="ctr"/>
+            <a:endParaRPr lang="en-GB"/>
+          </a:p>
+        </p:txBody>
+      </p:sp>
+    </p:spTree>
+    <p:extLst>
+      <p:ext uri="{BB962C8B-B14F-4D97-AF65-F5344CB8AC3E}">
+        <p14:creationId xmlns:p14="http://schemas.microsoft.com/office/powerpoint/2010/main" val="3768839231"/>
+      </p:ext>
+    </p:extLst>
+  </p:cSld>
+  <p:clrMapOvr>
+    <a:masterClrMapping/>
+  </p:clrMapOvr>
+</p:sld>
+</file>
+
+<file path=ppt/slides/slide18.xml><?xml version="1.0" encoding="utf-8"?>
+<p:sld xmlns:a="http://schemas.openxmlformats.org/drawingml/2006/main" xmlns:r="http://schemas.openxmlformats.org/officeDocument/2006/relationships" xmlns:p="http://schemas.openxmlformats.org/presentationml/2006/main">
+  <p:cSld>
+    <p:spTree>
+      <p:nvGrpSpPr>
+        <p:cNvPr id="1" name=""/>
+        <p:cNvGrpSpPr/>
+        <p:nvPr/>
+      </p:nvGrpSpPr>
+      <p:grpSpPr>
+        <a:xfrm>
+          <a:off x="0" y="0"/>
+          <a:ext cx="0" cy="0"/>
+          <a:chOff x="0" y="0"/>
+          <a:chExt cx="0" cy="0"/>
+        </a:xfrm>
+      </p:grpSpPr>
+      <p:sp>
+        <p:nvSpPr>
+          <p:cNvPr id="2" name="Title 1">
+            <a:extLst>
+              <a:ext uri="{FF2B5EF4-FFF2-40B4-BE49-F238E27FC236}">
+                <a16:creationId xmlns:a16="http://schemas.microsoft.com/office/drawing/2014/main" id="{41FB85AD-3AEE-41BD-AFB1-5CF5C40620E6}"/>
+              </a:ext>
+            </a:extLst>
+          </p:cNvPr>
+          <p:cNvSpPr>
+            <a:spLocks noGrp="1"/>
+          </p:cNvSpPr>
+          <p:nvPr>
+            <p:ph type="title"/>
+          </p:nvPr>
+        </p:nvSpPr>
+        <p:spPr/>
+        <p:txBody>
+          <a:bodyPr/>
+          <a:lstStyle/>
+          <a:p>
+            <a:r>
+              <a:rPr lang="de-CH" dirty="0"/>
+              <a:t>SQL Client</a:t>
+            </a:r>
+            <a:endParaRPr lang="en-GB" dirty="0"/>
+          </a:p>
+        </p:txBody>
+      </p:sp>
+      <p:pic>
+        <p:nvPicPr>
+          <p:cNvPr id="2058" name="Picture 10" descr="C-Sharp – Wikipedia">
+            <a:extLst>
+              <a:ext uri="{FF2B5EF4-FFF2-40B4-BE49-F238E27FC236}">
+                <a16:creationId xmlns:a16="http://schemas.microsoft.com/office/drawing/2014/main" id="{F3F8A034-AEF6-4211-80F8-9D4A5CB686A3}"/>
+              </a:ext>
+            </a:extLst>
+          </p:cNvPr>
+          <p:cNvPicPr>
+            <a:picLocks noChangeAspect="1" noChangeArrowheads="1"/>
+          </p:cNvPicPr>
+          <p:nvPr/>
+        </p:nvPicPr>
+        <p:blipFill>
+          <a:blip r:embed="rId2">
+            <a:extLst>
+              <a:ext uri="{28A0092B-C50C-407E-A947-70E740481C1C}">
+                <a14:useLocalDpi xmlns:a14="http://schemas.microsoft.com/office/drawing/2010/main" val="0"/>
+              </a:ext>
+            </a:extLst>
+          </a:blip>
+          <a:srcRect/>
+          <a:stretch>
+            <a:fillRect/>
+          </a:stretch>
+        </p:blipFill>
+        <p:spPr bwMode="auto">
+          <a:xfrm>
+            <a:off x="6562499" y="1490562"/>
+            <a:ext cx="1707878" cy="1875474"/>
+          </a:xfrm>
+          <a:prstGeom prst="rect">
+            <a:avLst/>
+          </a:prstGeom>
+          <a:noFill/>
+          <a:extLst>
+            <a:ext uri="{909E8E84-426E-40DD-AFC4-6F175D3DCCD1}">
+              <a14:hiddenFill xmlns:a14="http://schemas.microsoft.com/office/drawing/2010/main">
+                <a:solidFill>
+                  <a:srgbClr val="FFFFFF"/>
+                </a:solidFill>
+              </a14:hiddenFill>
+            </a:ext>
+          </a:extLst>
+        </p:spPr>
+      </p:pic>
+      <p:sp>
+        <p:nvSpPr>
+          <p:cNvPr id="16" name="TextBox 15">
+            <a:extLst>
+              <a:ext uri="{FF2B5EF4-FFF2-40B4-BE49-F238E27FC236}">
+                <a16:creationId xmlns:a16="http://schemas.microsoft.com/office/drawing/2014/main" id="{4628FD53-C1E8-4F60-A72A-5779454FCB5F}"/>
+              </a:ext>
+            </a:extLst>
+          </p:cNvPr>
+          <p:cNvSpPr txBox="1"/>
+          <p:nvPr/>
+        </p:nvSpPr>
+        <p:spPr>
+          <a:xfrm>
+            <a:off x="8130600" y="2279175"/>
+            <a:ext cx="1564926" cy="406265"/>
+          </a:xfrm>
+          <a:prstGeom prst="rect">
+            <a:avLst/>
+          </a:prstGeom>
+          <a:noFill/>
+        </p:spPr>
+        <p:txBody>
+          <a:bodyPr wrap="square" rtlCol="0">
+            <a:spAutoFit/>
+          </a:bodyPr>
+          <a:lstStyle/>
+          <a:p>
+            <a:r>
+              <a:rPr lang="de-CH" dirty="0"/>
+              <a:t>- Client</a:t>
+            </a:r>
+            <a:endParaRPr lang="en-GB" dirty="0"/>
+          </a:p>
+        </p:txBody>
+      </p:sp>
+      <p:pic>
+        <p:nvPicPr>
+          <p:cNvPr id="4098" name="Picture 2" descr="Microsoft Azure SQL Database - SQL Azure Database - Intellipaat">
+            <a:extLst>
+              <a:ext uri="{FF2B5EF4-FFF2-40B4-BE49-F238E27FC236}">
+                <a16:creationId xmlns:a16="http://schemas.microsoft.com/office/drawing/2014/main" id="{F138A665-075B-4CDD-AA6C-BE558785B4DA}"/>
+              </a:ext>
+            </a:extLst>
+          </p:cNvPr>
+          <p:cNvPicPr>
+            <a:picLocks noGrp="1" noChangeAspect="1" noChangeArrowheads="1"/>
+          </p:cNvPicPr>
+          <p:nvPr>
+            <p:ph idx="1"/>
+          </p:nvPr>
+        </p:nvPicPr>
+        <p:blipFill rotWithShape="1">
+          <a:blip r:embed="rId3">
+            <a:extLst>
+              <a:ext uri="{28A0092B-C50C-407E-A947-70E740481C1C}">
+                <a14:useLocalDpi xmlns:a14="http://schemas.microsoft.com/office/drawing/2010/main" val="0"/>
+              </a:ext>
+            </a:extLst>
+          </a:blip>
+          <a:srcRect l="32563" r="13854"/>
+          <a:stretch/>
+        </p:blipFill>
+        <p:spPr bwMode="auto">
+          <a:xfrm>
+            <a:off x="-170526" y="2786440"/>
+            <a:ext cx="4083037" cy="2571750"/>
+          </a:xfrm>
+          <a:prstGeom prst="rect">
+            <a:avLst/>
+          </a:prstGeom>
+          <a:noFill/>
+          <a:extLst>
+            <a:ext uri="{909E8E84-426E-40DD-AFC4-6F175D3DCCD1}">
+              <a14:hiddenFill xmlns:a14="http://schemas.microsoft.com/office/drawing/2010/main">
+                <a:solidFill>
+                  <a:srgbClr val="FFFFFF"/>
+                </a:solidFill>
+              </a14:hiddenFill>
+            </a:ext>
+          </a:extLst>
+        </p:spPr>
+      </p:pic>
+      <p:sp>
+        <p:nvSpPr>
+          <p:cNvPr id="5" name="Arrow: Curved Right 4">
+            <a:extLst>
+              <a:ext uri="{FF2B5EF4-FFF2-40B4-BE49-F238E27FC236}">
+                <a16:creationId xmlns:a16="http://schemas.microsoft.com/office/drawing/2014/main" id="{B9860A5A-5F40-4955-B031-60C4303CED71}"/>
+              </a:ext>
+            </a:extLst>
+          </p:cNvPr>
+          <p:cNvSpPr/>
+          <p:nvPr/>
+        </p:nvSpPr>
+        <p:spPr>
+          <a:xfrm>
+            <a:off x="2528286" y="3036163"/>
+            <a:ext cx="3568824" cy="1429305"/>
+          </a:xfrm>
+          <a:prstGeom prst="curvedRightArrow">
+            <a:avLst/>
+          </a:prstGeom>
+          <a:solidFill>
+            <a:srgbClr val="7030A0"/>
+          </a:solidFill>
+        </p:spPr>
+        <p:style>
+          <a:lnRef idx="2">
+            <a:schemeClr val="accent5">
+              <a:shade val="50000"/>
+            </a:schemeClr>
+          </a:lnRef>
+          <a:fillRef idx="1">
+            <a:schemeClr val="accent5"/>
+          </a:fillRef>
+          <a:effectRef idx="0">
+            <a:schemeClr val="accent5"/>
+          </a:effectRef>
+          <a:fontRef idx="minor">
+            <a:schemeClr val="lt1"/>
+          </a:fontRef>
+        </p:style>
+        <p:txBody>
+          <a:bodyPr rtlCol="0" anchor="ctr"/>
+          <a:lstStyle/>
+          <a:p>
+            <a:pPr algn="ctr"/>
+            <a:endParaRPr lang="en-GB" dirty="0">
+              <a:solidFill>
+                <a:schemeClr val="tx1"/>
+              </a:solidFill>
+            </a:endParaRPr>
+          </a:p>
+        </p:txBody>
+      </p:sp>
+      <p:sp>
+        <p:nvSpPr>
+          <p:cNvPr id="17" name="Flowchart: Connector 16">
+            <a:extLst>
+              <a:ext uri="{FF2B5EF4-FFF2-40B4-BE49-F238E27FC236}">
+                <a16:creationId xmlns:a16="http://schemas.microsoft.com/office/drawing/2014/main" id="{BC5B232A-7799-4154-8194-54DB8618CA41}"/>
+              </a:ext>
+            </a:extLst>
+          </p:cNvPr>
+          <p:cNvSpPr/>
+          <p:nvPr/>
+        </p:nvSpPr>
+        <p:spPr>
+          <a:xfrm>
+            <a:off x="6275320" y="4036821"/>
+            <a:ext cx="287112" cy="287112"/>
+          </a:xfrm>
+          <a:prstGeom prst="flowChartConnector">
+            <a:avLst/>
+          </a:prstGeom>
+          <a:solidFill>
+            <a:srgbClr val="7030A0"/>
+          </a:solidFill>
+          <a:ln>
+            <a:solidFill>
+              <a:srgbClr val="002060"/>
+            </a:solidFill>
+          </a:ln>
+        </p:spPr>
+        <p:style>
+          <a:lnRef idx="2">
+            <a:schemeClr val="accent1">
+              <a:shade val="50000"/>
+            </a:schemeClr>
+          </a:lnRef>
+          <a:fillRef idx="1">
+            <a:schemeClr val="accent1"/>
+          </a:fillRef>
+          <a:effectRef idx="0">
+            <a:schemeClr val="accent1"/>
+          </a:effectRef>
+          <a:fontRef idx="minor">
+            <a:schemeClr val="lt1"/>
+          </a:fontRef>
+        </p:style>
+        <p:txBody>
+          <a:bodyPr rtlCol="0" anchor="ctr"/>
+          <a:lstStyle/>
+          <a:p>
+            <a:pPr algn="ctr"/>
+            <a:endParaRPr lang="en-GB"/>
+          </a:p>
+        </p:txBody>
+      </p:sp>
+      <p:pic>
+        <p:nvPicPr>
+          <p:cNvPr id="14" name="Picture 13">
+            <a:extLst>
+              <a:ext uri="{FF2B5EF4-FFF2-40B4-BE49-F238E27FC236}">
+                <a16:creationId xmlns:a16="http://schemas.microsoft.com/office/drawing/2014/main" id="{549E0F4C-C916-4386-B683-CD86204FBEE7}"/>
+              </a:ext>
+            </a:extLst>
+          </p:cNvPr>
+          <p:cNvPicPr>
+            <a:picLocks noChangeAspect="1"/>
+          </p:cNvPicPr>
+          <p:nvPr/>
+        </p:nvPicPr>
+        <p:blipFill>
+          <a:blip r:embed="rId4"/>
+          <a:stretch>
+            <a:fillRect/>
+          </a:stretch>
+        </p:blipFill>
+        <p:spPr>
+          <a:xfrm>
+            <a:off x="6802222" y="3376421"/>
+            <a:ext cx="8210550" cy="3276600"/>
+          </a:xfrm>
+          <a:prstGeom prst="rect">
+            <a:avLst/>
+          </a:prstGeom>
+        </p:spPr>
+      </p:pic>
+      <p:sp>
+        <p:nvSpPr>
+          <p:cNvPr id="20" name="Flowchart: Connector 19">
+            <a:extLst>
+              <a:ext uri="{FF2B5EF4-FFF2-40B4-BE49-F238E27FC236}">
+                <a16:creationId xmlns:a16="http://schemas.microsoft.com/office/drawing/2014/main" id="{A34F8277-9FDA-4ADF-A95B-ECC064AC87D5}"/>
+              </a:ext>
+            </a:extLst>
+          </p:cNvPr>
+          <p:cNvSpPr/>
+          <p:nvPr/>
+        </p:nvSpPr>
+        <p:spPr>
+          <a:xfrm>
+            <a:off x="10291252" y="3522271"/>
+            <a:ext cx="287112" cy="287112"/>
+          </a:xfrm>
+          <a:prstGeom prst="flowChartConnector">
+            <a:avLst/>
+          </a:prstGeom>
+          <a:solidFill>
+            <a:srgbClr val="7030A0"/>
+          </a:solidFill>
+          <a:ln>
+            <a:solidFill>
+              <a:srgbClr val="002060"/>
+            </a:solidFill>
+          </a:ln>
+        </p:spPr>
+        <p:style>
+          <a:lnRef idx="2">
+            <a:schemeClr val="accent1">
+              <a:shade val="50000"/>
+            </a:schemeClr>
+          </a:lnRef>
+          <a:fillRef idx="1">
+            <a:schemeClr val="accent1"/>
+          </a:fillRef>
+          <a:effectRef idx="0">
+            <a:schemeClr val="accent1"/>
+          </a:effectRef>
+          <a:fontRef idx="minor">
+            <a:schemeClr val="lt1"/>
+          </a:fontRef>
+        </p:style>
+        <p:txBody>
+          <a:bodyPr rtlCol="0" anchor="ctr"/>
+          <a:lstStyle/>
+          <a:p>
+            <a:pPr algn="ctr"/>
+            <a:endParaRPr lang="en-GB"/>
+          </a:p>
+        </p:txBody>
+      </p:sp>
+      <p:sp>
+        <p:nvSpPr>
+          <p:cNvPr id="21" name="Star: 5 Points 20">
+            <a:extLst>
+              <a:ext uri="{FF2B5EF4-FFF2-40B4-BE49-F238E27FC236}">
+                <a16:creationId xmlns:a16="http://schemas.microsoft.com/office/drawing/2014/main" id="{51A9ECAC-E9C2-4BC9-B46B-936E8BF8C0CD}"/>
+              </a:ext>
+            </a:extLst>
+          </p:cNvPr>
+          <p:cNvSpPr/>
+          <p:nvPr/>
+        </p:nvSpPr>
+        <p:spPr>
+          <a:xfrm>
+            <a:off x="9485642" y="3750815"/>
+            <a:ext cx="356144" cy="356144"/>
+          </a:xfrm>
+          <a:prstGeom prst="star5">
+            <a:avLst/>
+          </a:prstGeom>
+        </p:spPr>
+        <p:style>
+          <a:lnRef idx="2">
+            <a:schemeClr val="accent4">
+              <a:shade val="50000"/>
+            </a:schemeClr>
+          </a:lnRef>
+          <a:fillRef idx="1">
+            <a:schemeClr val="accent4"/>
+          </a:fillRef>
+          <a:effectRef idx="0">
+            <a:schemeClr val="accent4"/>
+          </a:effectRef>
+          <a:fontRef idx="minor">
+            <a:schemeClr val="lt1"/>
+          </a:fontRef>
+        </p:style>
+        <p:txBody>
+          <a:bodyPr rtlCol="0" anchor="ctr"/>
+          <a:lstStyle/>
+          <a:p>
+            <a:pPr algn="ctr"/>
+            <a:endParaRPr lang="en-GB"/>
+          </a:p>
+        </p:txBody>
+      </p:sp>
+      <p:sp>
+        <p:nvSpPr>
+          <p:cNvPr id="22" name="Star: 5 Points 21">
+            <a:extLst>
+              <a:ext uri="{FF2B5EF4-FFF2-40B4-BE49-F238E27FC236}">
+                <a16:creationId xmlns:a16="http://schemas.microsoft.com/office/drawing/2014/main" id="{D529E762-8EDE-4B4D-ABFE-A2B05E609B51}"/>
+              </a:ext>
+            </a:extLst>
+          </p:cNvPr>
+          <p:cNvSpPr/>
+          <p:nvPr/>
+        </p:nvSpPr>
+        <p:spPr>
+          <a:xfrm>
+            <a:off x="8259838" y="6149703"/>
+            <a:ext cx="356144" cy="356144"/>
+          </a:xfrm>
+          <a:prstGeom prst="star5">
+            <a:avLst/>
+          </a:prstGeom>
+        </p:spPr>
+        <p:style>
+          <a:lnRef idx="2">
+            <a:schemeClr val="accent4">
+              <a:shade val="50000"/>
+            </a:schemeClr>
+          </a:lnRef>
+          <a:fillRef idx="1">
+            <a:schemeClr val="accent4"/>
+          </a:fillRef>
+          <a:effectRef idx="0">
+            <a:schemeClr val="accent4"/>
+          </a:effectRef>
+          <a:fontRef idx="minor">
+            <a:schemeClr val="lt1"/>
+          </a:fontRef>
+        </p:style>
+        <p:txBody>
+          <a:bodyPr rtlCol="0" anchor="ctr"/>
+          <a:lstStyle/>
+          <a:p>
+            <a:pPr algn="ctr"/>
+            <a:endParaRPr lang="en-GB"/>
+          </a:p>
+        </p:txBody>
+      </p:sp>
+    </p:spTree>
+    <p:extLst>
+      <p:ext uri="{BB962C8B-B14F-4D97-AF65-F5344CB8AC3E}">
+        <p14:creationId xmlns:p14="http://schemas.microsoft.com/office/powerpoint/2010/main" val="3200220197"/>
+      </p:ext>
+    </p:extLst>
+  </p:cSld>
+  <p:clrMapOvr>
+    <a:masterClrMapping/>
+  </p:clrMapOvr>
+</p:sld>
+</file>
+
 <file path=ppt/slides/slide2.xml><?xml version="1.0" encoding="utf-8"?>
 <p:sld xmlns:a="http://schemas.openxmlformats.org/drawingml/2006/main" xmlns:r="http://schemas.openxmlformats.org/officeDocument/2006/relationships" xmlns:p="http://schemas.openxmlformats.org/presentationml/2006/main">
   <p:cSld>
@@ -4449,13 +6418,13 @@
   <p:clrMapOvr>
     <a:masterClrMapping/>
   </p:clrMapOvr>
-  <mc:AlternateContent xmlns:mc="http://schemas.openxmlformats.org/markup-compatibility/2006">
-    <mc:Choice xmlns:p159="http://schemas.microsoft.com/office/powerpoint/2015/09/main" Requires="p159">
+  <mc:AlternateContent xmlns:mc="http://schemas.openxmlformats.org/markup-compatibility/2006" xmlns:p159="http://schemas.microsoft.com/office/powerpoint/2015/09/main">
+    <mc:Choice Requires="p159">
       <p:transition spd="med">
         <p159:morph option="byObject"/>
       </p:transition>
     </mc:Choice>
-    <mc:Fallback>
+    <mc:Fallback xmlns="">
       <p:transition spd="med">
         <p:fade/>
       </p:transition>
@@ -5027,13 +6996,13 @@
   <p:clrMapOvr>
     <a:masterClrMapping/>
   </p:clrMapOvr>
-  <mc:AlternateContent xmlns:mc="http://schemas.openxmlformats.org/markup-compatibility/2006">
-    <mc:Choice xmlns:p159="http://schemas.microsoft.com/office/powerpoint/2015/09/main" Requires="p159">
+  <mc:AlternateContent xmlns:mc="http://schemas.openxmlformats.org/markup-compatibility/2006" xmlns:p159="http://schemas.microsoft.com/office/powerpoint/2015/09/main">
+    <mc:Choice Requires="p159">
       <p:transition spd="med">
         <p159:morph option="byObject"/>
       </p:transition>
     </mc:Choice>
-    <mc:Fallback>
+    <mc:Fallback xmlns="">
       <p:transition spd="med">
         <p:fade/>
       </p:transition>
@@ -5444,13 +7413,13 @@
   <p:clrMapOvr>
     <a:masterClrMapping/>
   </p:clrMapOvr>
-  <mc:AlternateContent xmlns:mc="http://schemas.openxmlformats.org/markup-compatibility/2006">
-    <mc:Choice xmlns:p159="http://schemas.microsoft.com/office/powerpoint/2015/09/main" Requires="p159">
+  <mc:AlternateContent xmlns:mc="http://schemas.openxmlformats.org/markup-compatibility/2006" xmlns:p159="http://schemas.microsoft.com/office/powerpoint/2015/09/main">
+    <mc:Choice Requires="p159">
       <p:transition spd="med">
         <p159:morph option="byObject"/>
       </p:transition>
     </mc:Choice>
-    <mc:Fallback>
+    <mc:Fallback xmlns="">
       <p:transition spd="med">
         <p:fade/>
       </p:transition>
@@ -5861,13 +7830,13 @@
   <p:clrMapOvr>
     <a:masterClrMapping/>
   </p:clrMapOvr>
-  <mc:AlternateContent xmlns:mc="http://schemas.openxmlformats.org/markup-compatibility/2006">
-    <mc:Choice xmlns:p159="http://schemas.microsoft.com/office/powerpoint/2015/09/main" Requires="p159">
+  <mc:AlternateContent xmlns:mc="http://schemas.openxmlformats.org/markup-compatibility/2006" xmlns:p159="http://schemas.microsoft.com/office/powerpoint/2015/09/main">
+    <mc:Choice Requires="p159">
       <p:transition spd="med">
         <p159:morph option="byObject"/>
       </p:transition>
     </mc:Choice>
-    <mc:Fallback>
+    <mc:Fallback xmlns="">
       <p:transition spd="med">
         <p:fade/>
       </p:transition>
